--- a/презентацияДП Боровинских.pptx
+++ b/презентацияДП Боровинских.pptx
@@ -208,7 +208,7 @@
           <a:p>
             <a:fld id="{BEBA6B8A-9162-4DB1-A140-4F22991ABDAF}" type="datetimeFigureOut">
               <a:rPr lang="ru-RU" smtClean="0"/>
-              <a:t>07.06.2025</a:t>
+              <a:t>08.06.2025</a:t>
             </a:fld>
             <a:endParaRPr lang="ru-RU"/>
           </a:p>
@@ -1365,7 +1365,7 @@
           <a:p>
             <a:fld id="{51D60132-9D7F-4B8C-AAAE-C246C18BAEFF}" type="datetimeFigureOut">
               <a:rPr lang="ru-RU" smtClean="0"/>
-              <a:t>07.06.2025</a:t>
+              <a:t>08.06.2025</a:t>
             </a:fld>
             <a:endParaRPr lang="ru-RU"/>
           </a:p>
@@ -1616,7 +1616,7 @@
           <a:p>
             <a:fld id="{51D60132-9D7F-4B8C-AAAE-C246C18BAEFF}" type="datetimeFigureOut">
               <a:rPr lang="ru-RU" smtClean="0"/>
-              <a:t>07.06.2025</a:t>
+              <a:t>08.06.2025</a:t>
             </a:fld>
             <a:endParaRPr lang="ru-RU"/>
           </a:p>
@@ -1930,7 +1930,7 @@
           <a:p>
             <a:fld id="{51D60132-9D7F-4B8C-AAAE-C246C18BAEFF}" type="datetimeFigureOut">
               <a:rPr lang="ru-RU" smtClean="0"/>
-              <a:t>07.06.2025</a:t>
+              <a:t>08.06.2025</a:t>
             </a:fld>
             <a:endParaRPr lang="ru-RU"/>
           </a:p>
@@ -2271,7 +2271,7 @@
           <a:p>
             <a:fld id="{51D60132-9D7F-4B8C-AAAE-C246C18BAEFF}" type="datetimeFigureOut">
               <a:rPr lang="ru-RU" smtClean="0"/>
-              <a:t>07.06.2025</a:t>
+              <a:t>08.06.2025</a:t>
             </a:fld>
             <a:endParaRPr lang="ru-RU"/>
           </a:p>
@@ -2585,7 +2585,7 @@
           <a:p>
             <a:fld id="{51D60132-9D7F-4B8C-AAAE-C246C18BAEFF}" type="datetimeFigureOut">
               <a:rPr lang="ru-RU" smtClean="0"/>
-              <a:t>07.06.2025</a:t>
+              <a:t>08.06.2025</a:t>
             </a:fld>
             <a:endParaRPr lang="ru-RU"/>
           </a:p>
@@ -2978,7 +2978,7 @@
           <a:p>
             <a:fld id="{51D60132-9D7F-4B8C-AAAE-C246C18BAEFF}" type="datetimeFigureOut">
               <a:rPr lang="ru-RU" smtClean="0"/>
-              <a:t>07.06.2025</a:t>
+              <a:t>08.06.2025</a:t>
             </a:fld>
             <a:endParaRPr lang="ru-RU"/>
           </a:p>
@@ -3148,7 +3148,7 @@
           <a:p>
             <a:fld id="{51D60132-9D7F-4B8C-AAAE-C246C18BAEFF}" type="datetimeFigureOut">
               <a:rPr lang="ru-RU" smtClean="0"/>
-              <a:t>07.06.2025</a:t>
+              <a:t>08.06.2025</a:t>
             </a:fld>
             <a:endParaRPr lang="ru-RU"/>
           </a:p>
@@ -3328,7 +3328,7 @@
           <a:p>
             <a:fld id="{51D60132-9D7F-4B8C-AAAE-C246C18BAEFF}" type="datetimeFigureOut">
               <a:rPr lang="ru-RU" smtClean="0"/>
-              <a:t>07.06.2025</a:t>
+              <a:t>08.06.2025</a:t>
             </a:fld>
             <a:endParaRPr lang="ru-RU"/>
           </a:p>
@@ -3504,7 +3504,7 @@
           <a:p>
             <a:fld id="{51D60132-9D7F-4B8C-AAAE-C246C18BAEFF}" type="datetimeFigureOut">
               <a:rPr lang="ru-RU" smtClean="0"/>
-              <a:t>07.06.2025</a:t>
+              <a:t>08.06.2025</a:t>
             </a:fld>
             <a:endParaRPr lang="ru-RU"/>
           </a:p>
@@ -3751,7 +3751,7 @@
           <a:p>
             <a:fld id="{51D60132-9D7F-4B8C-AAAE-C246C18BAEFF}" type="datetimeFigureOut">
               <a:rPr lang="ru-RU" smtClean="0"/>
-              <a:t>07.06.2025</a:t>
+              <a:t>08.06.2025</a:t>
             </a:fld>
             <a:endParaRPr lang="ru-RU"/>
           </a:p>
@@ -3983,7 +3983,7 @@
           <a:p>
             <a:fld id="{51D60132-9D7F-4B8C-AAAE-C246C18BAEFF}" type="datetimeFigureOut">
               <a:rPr lang="ru-RU" smtClean="0"/>
-              <a:t>07.06.2025</a:t>
+              <a:t>08.06.2025</a:t>
             </a:fld>
             <a:endParaRPr lang="ru-RU"/>
           </a:p>
@@ -4357,7 +4357,7 @@
           <a:p>
             <a:fld id="{51D60132-9D7F-4B8C-AAAE-C246C18BAEFF}" type="datetimeFigureOut">
               <a:rPr lang="ru-RU" smtClean="0"/>
-              <a:t>07.06.2025</a:t>
+              <a:t>08.06.2025</a:t>
             </a:fld>
             <a:endParaRPr lang="ru-RU"/>
           </a:p>
@@ -4480,7 +4480,7 @@
           <a:p>
             <a:fld id="{51D60132-9D7F-4B8C-AAAE-C246C18BAEFF}" type="datetimeFigureOut">
               <a:rPr lang="ru-RU" smtClean="0"/>
-              <a:t>07.06.2025</a:t>
+              <a:t>08.06.2025</a:t>
             </a:fld>
             <a:endParaRPr lang="ru-RU"/>
           </a:p>
@@ -4575,7 +4575,7 @@
           <a:p>
             <a:fld id="{51D60132-9D7F-4B8C-AAAE-C246C18BAEFF}" type="datetimeFigureOut">
               <a:rPr lang="ru-RU" smtClean="0"/>
-              <a:t>07.06.2025</a:t>
+              <a:t>08.06.2025</a:t>
             </a:fld>
             <a:endParaRPr lang="ru-RU"/>
           </a:p>
@@ -4830,7 +4830,7 @@
           <a:p>
             <a:fld id="{51D60132-9D7F-4B8C-AAAE-C246C18BAEFF}" type="datetimeFigureOut">
               <a:rPr lang="ru-RU" smtClean="0"/>
-              <a:t>07.06.2025</a:t>
+              <a:t>08.06.2025</a:t>
             </a:fld>
             <a:endParaRPr lang="ru-RU"/>
           </a:p>
@@ -5093,7 +5093,7 @@
           <a:p>
             <a:fld id="{51D60132-9D7F-4B8C-AAAE-C246C18BAEFF}" type="datetimeFigureOut">
               <a:rPr lang="ru-RU" smtClean="0"/>
-              <a:t>07.06.2025</a:t>
+              <a:t>08.06.2025</a:t>
             </a:fld>
             <a:endParaRPr lang="ru-RU"/>
           </a:p>
@@ -5836,7 +5836,7 @@
           <a:p>
             <a:fld id="{51D60132-9D7F-4B8C-AAAE-C246C18BAEFF}" type="datetimeFigureOut">
               <a:rPr lang="ru-RU" smtClean="0"/>
-              <a:t>07.06.2025</a:t>
+              <a:t>08.06.2025</a:t>
             </a:fld>
             <a:endParaRPr lang="ru-RU"/>
           </a:p>
@@ -6856,7 +6856,7 @@
         </p:nvSpPr>
         <p:spPr>
           <a:xfrm>
-            <a:off x="558803" y="2570251"/>
+            <a:off x="609601" y="3557952"/>
             <a:ext cx="7236811" cy="1077218"/>
           </a:xfrm>
           <a:prstGeom prst="rect">
@@ -6977,7 +6977,7 @@
         </p:nvSpPr>
         <p:spPr>
           <a:xfrm>
-            <a:off x="558803" y="4402093"/>
+            <a:off x="609601" y="4983815"/>
             <a:ext cx="5577344" cy="584775"/>
           </a:xfrm>
           <a:prstGeom prst="rect">
@@ -7018,6 +7018,82 @@
               <a:t>88 дней</a:t>
             </a:r>
             <a:endParaRPr lang="ru-RU" sz="3200" dirty="0">
+              <a:solidFill>
+                <a:schemeClr val="accent6">
+                  <a:lumMod val="50000"/>
+                </a:schemeClr>
+              </a:solidFill>
+              <a:latin typeface="Segoe UI" panose="020B0502040204020203" pitchFamily="34" charset="0"/>
+              <a:cs typeface="Segoe UI" panose="020B0502040204020203" pitchFamily="34" charset="0"/>
+            </a:endParaRPr>
+          </a:p>
+        </p:txBody>
+      </p:sp>
+      <p:sp>
+        <p:nvSpPr>
+          <p:cNvPr id="7" name="TextBox 6">
+            <a:extLst>
+              <a:ext uri="{FF2B5EF4-FFF2-40B4-BE49-F238E27FC236}">
+                <a16:creationId xmlns:a16="http://schemas.microsoft.com/office/drawing/2014/main" id="{E2588B2E-890E-C248-FAFB-EC2E2D9ABB69}"/>
+              </a:ext>
+            </a:extLst>
+          </p:cNvPr>
+          <p:cNvSpPr txBox="1"/>
+          <p:nvPr/>
+        </p:nvSpPr>
+        <p:spPr>
+          <a:xfrm>
+            <a:off x="609601" y="2148181"/>
+            <a:ext cx="6100232" cy="1077218"/>
+          </a:xfrm>
+          <a:prstGeom prst="rect">
+            <a:avLst/>
+          </a:prstGeom>
+          <a:noFill/>
+        </p:spPr>
+        <p:txBody>
+          <a:bodyPr wrap="square">
+            <a:spAutoFit/>
+          </a:bodyPr>
+          <a:lstStyle/>
+          <a:p>
+            <a:r>
+              <a:rPr lang="ru-RU" sz="3200" dirty="0">
+                <a:solidFill>
+                  <a:schemeClr val="accent6">
+                    <a:lumMod val="50000"/>
+                  </a:schemeClr>
+                </a:solidFill>
+                <a:latin typeface="Segoe UI" panose="020B0502040204020203" pitchFamily="34" charset="0"/>
+                <a:cs typeface="Segoe UI" panose="020B0502040204020203" pitchFamily="34" charset="0"/>
+              </a:rPr>
+              <a:t>Годовой экономический эффект </a:t>
+            </a:r>
+            <a:r>
+              <a:rPr lang="en-US" sz="3200" dirty="0">
+                <a:solidFill>
+                  <a:schemeClr val="accent6">
+                    <a:lumMod val="50000"/>
+                  </a:schemeClr>
+                </a:solidFill>
+                <a:latin typeface="Segoe UI" panose="020B0502040204020203" pitchFamily="34" charset="0"/>
+                <a:cs typeface="Segoe UI" panose="020B0502040204020203" pitchFamily="34" charset="0"/>
+              </a:rPr>
+              <a:t>= </a:t>
+            </a:r>
+            <a:r>
+              <a:rPr lang="ru-RU" sz="3200" dirty="0">
+                <a:solidFill>
+                  <a:schemeClr val="accent6">
+                    <a:lumMod val="50000"/>
+                  </a:schemeClr>
+                </a:solidFill>
+                <a:latin typeface="Segoe UI" panose="020B0502040204020203" pitchFamily="34" charset="0"/>
+                <a:cs typeface="Segoe UI" panose="020B0502040204020203" pitchFamily="34" charset="0"/>
+              </a:rPr>
+              <a:t>1 757 757 руб.</a:t>
+            </a:r>
+            <a:endParaRPr lang="en-US" sz="3200" dirty="0">
               <a:solidFill>
                 <a:schemeClr val="accent6">
                   <a:lumMod val="50000"/>
@@ -7286,7 +7362,7 @@
         </p:nvSpPr>
         <p:spPr>
           <a:xfrm>
-            <a:off x="1036804" y="2780453"/>
+            <a:off x="1299271" y="2771987"/>
             <a:ext cx="8638968" cy="923330"/>
           </a:xfrm>
           <a:prstGeom prst="rect">
@@ -8289,10 +8365,10 @@
       </p:sp>
       <p:pic>
         <p:nvPicPr>
-          <p:cNvPr id="5" name="Рисунок 4">
+          <p:cNvPr id="7" name="Рисунок 6">
             <a:extLst>
               <a:ext uri="{FF2B5EF4-FFF2-40B4-BE49-F238E27FC236}">
-                <a16:creationId xmlns:a16="http://schemas.microsoft.com/office/drawing/2014/main" id="{A25D2225-DB28-6F45-0687-7DB1278074FD}"/>
+                <a16:creationId xmlns:a16="http://schemas.microsoft.com/office/drawing/2014/main" id="{C2181A1F-ACAE-803E-5FA8-4016640A2FB4}"/>
               </a:ext>
             </a:extLst>
           </p:cNvPr>
@@ -8309,8 +8385,8 @@
         </p:blipFill>
         <p:spPr>
           <a:xfrm>
-            <a:off x="355601" y="855133"/>
-            <a:ext cx="5346122" cy="6002867"/>
+            <a:off x="556782" y="823977"/>
+            <a:ext cx="8194305" cy="5520874"/>
           </a:xfrm>
           <a:prstGeom prst="rect">
             <a:avLst/>
